--- a/Библиотека.pptx
+++ b/Библиотека.pptx
@@ -6,15 +6,18 @@
   </p:sldMasterIdLst>
   <p:sldIdLst>
     <p:sldId id="256" r:id="rId2"/>
-    <p:sldId id="257" r:id="rId3"/>
-    <p:sldId id="258" r:id="rId4"/>
-    <p:sldId id="259" r:id="rId5"/>
-    <p:sldId id="260" r:id="rId6"/>
-    <p:sldId id="261" r:id="rId7"/>
-    <p:sldId id="262" r:id="rId8"/>
-    <p:sldId id="263" r:id="rId9"/>
-    <p:sldId id="264" r:id="rId10"/>
-    <p:sldId id="265" r:id="rId11"/>
+    <p:sldId id="266" r:id="rId3"/>
+    <p:sldId id="267" r:id="rId4"/>
+    <p:sldId id="257" r:id="rId5"/>
+    <p:sldId id="258" r:id="rId6"/>
+    <p:sldId id="259" r:id="rId7"/>
+    <p:sldId id="260" r:id="rId8"/>
+    <p:sldId id="261" r:id="rId9"/>
+    <p:sldId id="262" r:id="rId10"/>
+    <p:sldId id="263" r:id="rId11"/>
+    <p:sldId id="264" r:id="rId12"/>
+    <p:sldId id="268" r:id="rId13"/>
+    <p:sldId id="265" r:id="rId14"/>
   </p:sldIdLst>
   <p:sldSz cx="12192000" cy="6858000"/>
   <p:notesSz cx="6858000" cy="9144000"/>
@@ -113,6 +116,11 @@
       </a:defRPr>
     </a:lvl9pPr>
   </p:defaultTextStyle>
+  <p:extLst>
+    <p:ext uri="{EFAFB233-063F-42B5-8137-9DF3F51BA10A}">
+      <p15:sldGuideLst xmlns:p15="http://schemas.microsoft.com/office/powerpoint/2012/main"/>
+    </p:ext>
+  </p:extLst>
 </p:presentation>
 </file>
 
@@ -285,7 +293,7 @@
           <a:p>
             <a:fld id="{5A4196DE-E448-4D5F-838D-2C00169D5C8E}" type="datetimeFigureOut">
               <a:rPr lang="ru-RU" smtClean="0"/>
-              <a:t>08.11.2023</a:t>
+              <a:t>10.11.2023</a:t>
             </a:fld>
             <a:endParaRPr lang="ru-RU"/>
           </a:p>
@@ -615,7 +623,7 @@
           <a:p>
             <a:fld id="{5A4196DE-E448-4D5F-838D-2C00169D5C8E}" type="datetimeFigureOut">
               <a:rPr lang="ru-RU" smtClean="0"/>
-              <a:t>08.11.2023</a:t>
+              <a:t>10.11.2023</a:t>
             </a:fld>
             <a:endParaRPr lang="ru-RU"/>
           </a:p>
@@ -795,7 +803,7 @@
           <a:p>
             <a:fld id="{5A4196DE-E448-4D5F-838D-2C00169D5C8E}" type="datetimeFigureOut">
               <a:rPr lang="ru-RU" smtClean="0"/>
-              <a:t>08.11.2023</a:t>
+              <a:t>10.11.2023</a:t>
             </a:fld>
             <a:endParaRPr lang="ru-RU"/>
           </a:p>
@@ -965,7 +973,7 @@
           <a:p>
             <a:fld id="{5A4196DE-E448-4D5F-838D-2C00169D5C8E}" type="datetimeFigureOut">
               <a:rPr lang="ru-RU" smtClean="0"/>
-              <a:t>08.11.2023</a:t>
+              <a:t>10.11.2023</a:t>
             </a:fld>
             <a:endParaRPr lang="ru-RU"/>
           </a:p>
@@ -1242,7 +1250,7 @@
           <a:p>
             <a:fld id="{5A4196DE-E448-4D5F-838D-2C00169D5C8E}" type="datetimeFigureOut">
               <a:rPr lang="ru-RU" smtClean="0"/>
-              <a:t>08.11.2023</a:t>
+              <a:t>10.11.2023</a:t>
             </a:fld>
             <a:endParaRPr lang="ru-RU"/>
           </a:p>
@@ -1636,7 +1644,7 @@
           <a:p>
             <a:fld id="{5A4196DE-E448-4D5F-838D-2C00169D5C8E}" type="datetimeFigureOut">
               <a:rPr lang="ru-RU" smtClean="0"/>
-              <a:t>08.11.2023</a:t>
+              <a:t>10.11.2023</a:t>
             </a:fld>
             <a:endParaRPr lang="ru-RU"/>
           </a:p>
@@ -2113,7 +2121,7 @@
           <a:p>
             <a:fld id="{5A4196DE-E448-4D5F-838D-2C00169D5C8E}" type="datetimeFigureOut">
               <a:rPr lang="ru-RU" smtClean="0"/>
-              <a:t>08.11.2023</a:t>
+              <a:t>10.11.2023</a:t>
             </a:fld>
             <a:endParaRPr lang="ru-RU"/>
           </a:p>
@@ -2231,7 +2239,7 @@
           <a:p>
             <a:fld id="{5A4196DE-E448-4D5F-838D-2C00169D5C8E}" type="datetimeFigureOut">
               <a:rPr lang="ru-RU" smtClean="0"/>
-              <a:t>08.11.2023</a:t>
+              <a:t>10.11.2023</a:t>
             </a:fld>
             <a:endParaRPr lang="ru-RU"/>
           </a:p>
@@ -2326,7 +2334,7 @@
           <a:p>
             <a:fld id="{5A4196DE-E448-4D5F-838D-2C00169D5C8E}" type="datetimeFigureOut">
               <a:rPr lang="ru-RU" smtClean="0"/>
-              <a:t>08.11.2023</a:t>
+              <a:t>10.11.2023</a:t>
             </a:fld>
             <a:endParaRPr lang="ru-RU"/>
           </a:p>
@@ -2672,7 +2680,7 @@
           <a:p>
             <a:fld id="{5A4196DE-E448-4D5F-838D-2C00169D5C8E}" type="datetimeFigureOut">
               <a:rPr lang="ru-RU" smtClean="0"/>
-              <a:t>08.11.2023</a:t>
+              <a:t>10.11.2023</a:t>
             </a:fld>
             <a:endParaRPr lang="ru-RU"/>
           </a:p>
@@ -3060,7 +3068,7 @@
           <a:p>
             <a:fld id="{5A4196DE-E448-4D5F-838D-2C00169D5C8E}" type="datetimeFigureOut">
               <a:rPr lang="ru-RU" smtClean="0"/>
-              <a:t>08.11.2023</a:t>
+              <a:t>10.11.2023</a:t>
             </a:fld>
             <a:endParaRPr lang="ru-RU"/>
           </a:p>
@@ -3338,7 +3346,7 @@
           <a:p>
             <a:fld id="{5A4196DE-E448-4D5F-838D-2C00169D5C8E}" type="datetimeFigureOut">
               <a:rPr lang="ru-RU" smtClean="0"/>
-              <a:t>08.11.2023</a:t>
+              <a:t>10.11.2023</a:t>
             </a:fld>
             <a:endParaRPr lang="ru-RU"/>
           </a:p>
@@ -3864,8 +3872,8 @@
         </p:nvSpPr>
         <p:spPr>
           <a:xfrm>
-            <a:off x="4350123" y="2644170"/>
-            <a:ext cx="3491753" cy="1569660"/>
+            <a:off x="3775261" y="2644170"/>
+            <a:ext cx="4641477" cy="1569660"/>
           </a:xfrm>
           <a:prstGeom prst="rect">
             <a:avLst/>
@@ -3953,6 +3961,588 @@
       </p:grpSpPr>
       <p:sp>
         <p:nvSpPr>
+          <p:cNvPr id="3" name="TextBox 2">
+            <a:extLst>
+              <a:ext uri="{FF2B5EF4-FFF2-40B4-BE49-F238E27FC236}">
+                <a16:creationId xmlns:a16="http://schemas.microsoft.com/office/drawing/2014/main" id="{9A02C588-6028-C789-AEF6-7882B545F8BF}"/>
+              </a:ext>
+            </a:extLst>
+          </p:cNvPr>
+          <p:cNvSpPr txBox="1"/>
+          <p:nvPr/>
+        </p:nvSpPr>
+        <p:spPr>
+          <a:xfrm>
+            <a:off x="1703294" y="2571126"/>
+            <a:ext cx="3648636" cy="1200329"/>
+          </a:xfrm>
+          <a:prstGeom prst="rect">
+            <a:avLst/>
+          </a:prstGeom>
+          <a:noFill/>
+        </p:spPr>
+        <p:txBody>
+          <a:bodyPr wrap="square">
+            <a:spAutoFit/>
+          </a:bodyPr>
+          <a:lstStyle/>
+          <a:p>
+            <a:r>
+              <a:rPr lang="ru-RU" dirty="0"/>
+              <a:t>Вы можете удалить книгу, дважды кликнув по соответствующей ячейке в колонке </a:t>
+            </a:r>
+            <a:r>
+              <a:rPr lang="en-US" dirty="0"/>
+              <a:t>“</a:t>
+            </a:r>
+            <a:r>
+              <a:rPr lang="ru-RU" dirty="0"/>
+              <a:t>удалить</a:t>
+            </a:r>
+            <a:r>
+              <a:rPr lang="en-US" dirty="0"/>
+              <a:t>” </a:t>
+            </a:r>
+            <a:r>
+              <a:rPr lang="ru-RU" dirty="0"/>
+              <a:t>и подтвердив действие</a:t>
+            </a:r>
+          </a:p>
+        </p:txBody>
+      </p:sp>
+      <p:pic>
+        <p:nvPicPr>
+          <p:cNvPr id="5" name="Рисунок 4">
+            <a:extLst>
+              <a:ext uri="{FF2B5EF4-FFF2-40B4-BE49-F238E27FC236}">
+                <a16:creationId xmlns:a16="http://schemas.microsoft.com/office/drawing/2014/main" id="{04E2F3DF-5CA3-E843-B1D1-D0F1590E55AC}"/>
+              </a:ext>
+            </a:extLst>
+          </p:cNvPr>
+          <p:cNvPicPr>
+            <a:picLocks noChangeAspect="1"/>
+          </p:cNvPicPr>
+          <p:nvPr/>
+        </p:nvPicPr>
+        <p:blipFill>
+          <a:blip r:embed="rId2">
+            <a:extLst>
+              <a:ext uri="{28A0092B-C50C-407E-A947-70E740481C1C}">
+                <a14:useLocalDpi xmlns:a14="http://schemas.microsoft.com/office/drawing/2010/main" val="0"/>
+              </a:ext>
+            </a:extLst>
+          </a:blip>
+          <a:stretch>
+            <a:fillRect/>
+          </a:stretch>
+        </p:blipFill>
+        <p:spPr>
+          <a:xfrm>
+            <a:off x="6537032" y="305085"/>
+            <a:ext cx="4926925" cy="2798302"/>
+          </a:xfrm>
+          <a:prstGeom prst="rect">
+            <a:avLst/>
+          </a:prstGeom>
+        </p:spPr>
+      </p:pic>
+      <p:cxnSp>
+        <p:nvCxnSpPr>
+          <p:cNvPr id="7" name="Прямая со стрелкой 6">
+            <a:extLst>
+              <a:ext uri="{FF2B5EF4-FFF2-40B4-BE49-F238E27FC236}">
+                <a16:creationId xmlns:a16="http://schemas.microsoft.com/office/drawing/2014/main" id="{39569CBB-0BB6-DA1C-0398-24C7EB6BBC33}"/>
+              </a:ext>
+            </a:extLst>
+          </p:cNvPr>
+          <p:cNvCxnSpPr/>
+          <p:nvPr/>
+        </p:nvCxnSpPr>
+        <p:spPr>
+          <a:xfrm>
+            <a:off x="9000494" y="3272118"/>
+            <a:ext cx="0" cy="495727"/>
+          </a:xfrm>
+          <a:prstGeom prst="straightConnector1">
+            <a:avLst/>
+          </a:prstGeom>
+          <a:ln>
+            <a:solidFill>
+              <a:srgbClr val="0070C0"/>
+            </a:solidFill>
+            <a:tailEnd type="triangle"/>
+          </a:ln>
+        </p:spPr>
+        <p:style>
+          <a:lnRef idx="1">
+            <a:schemeClr val="accent1"/>
+          </a:lnRef>
+          <a:fillRef idx="0">
+            <a:schemeClr val="accent1"/>
+          </a:fillRef>
+          <a:effectRef idx="0">
+            <a:schemeClr val="accent1"/>
+          </a:effectRef>
+          <a:fontRef idx="minor">
+            <a:schemeClr val="tx1"/>
+          </a:fontRef>
+        </p:style>
+      </p:cxnSp>
+      <p:pic>
+        <p:nvPicPr>
+          <p:cNvPr id="9" name="Рисунок 8">
+            <a:extLst>
+              <a:ext uri="{FF2B5EF4-FFF2-40B4-BE49-F238E27FC236}">
+                <a16:creationId xmlns:a16="http://schemas.microsoft.com/office/drawing/2014/main" id="{1AD2CCDF-F922-CCEB-3B24-7AABCF576A1C}"/>
+              </a:ext>
+            </a:extLst>
+          </p:cNvPr>
+          <p:cNvPicPr>
+            <a:picLocks noChangeAspect="1"/>
+          </p:cNvPicPr>
+          <p:nvPr/>
+        </p:nvPicPr>
+        <p:blipFill>
+          <a:blip r:embed="rId3">
+            <a:extLst>
+              <a:ext uri="{28A0092B-C50C-407E-A947-70E740481C1C}">
+                <a14:useLocalDpi xmlns:a14="http://schemas.microsoft.com/office/drawing/2010/main" val="0"/>
+              </a:ext>
+            </a:extLst>
+          </a:blip>
+          <a:stretch>
+            <a:fillRect/>
+          </a:stretch>
+        </p:blipFill>
+        <p:spPr>
+          <a:xfrm>
+            <a:off x="6537032" y="3936576"/>
+            <a:ext cx="4952321" cy="2798302"/>
+          </a:xfrm>
+          <a:prstGeom prst="rect">
+            <a:avLst/>
+          </a:prstGeom>
+        </p:spPr>
+      </p:pic>
+    </p:spTree>
+    <p:extLst>
+      <p:ext uri="{BB962C8B-B14F-4D97-AF65-F5344CB8AC3E}">
+        <p14:creationId xmlns:p14="http://schemas.microsoft.com/office/powerpoint/2010/main" val="1267707304"/>
+      </p:ext>
+    </p:extLst>
+  </p:cSld>
+  <p:clrMapOvr>
+    <a:masterClrMapping/>
+  </p:clrMapOvr>
+</p:sld>
+</file>
+
+<file path=ppt/slides/slide11.xml><?xml version="1.0" encoding="utf-8"?>
+<p:sld xmlns:a="http://schemas.openxmlformats.org/drawingml/2006/main" xmlns:r="http://schemas.openxmlformats.org/officeDocument/2006/relationships" xmlns:p="http://schemas.openxmlformats.org/presentationml/2006/main">
+  <p:cSld>
+    <p:spTree>
+      <p:nvGrpSpPr>
+        <p:cNvPr id="1" name=""/>
+        <p:cNvGrpSpPr/>
+        <p:nvPr/>
+      </p:nvGrpSpPr>
+      <p:grpSpPr>
+        <a:xfrm>
+          <a:off x="0" y="0"/>
+          <a:ext cx="0" cy="0"/>
+          <a:chOff x="0" y="0"/>
+          <a:chExt cx="0" cy="0"/>
+        </a:xfrm>
+      </p:grpSpPr>
+      <p:sp>
+        <p:nvSpPr>
+          <p:cNvPr id="3" name="TextBox 2">
+            <a:extLst>
+              <a:ext uri="{FF2B5EF4-FFF2-40B4-BE49-F238E27FC236}">
+                <a16:creationId xmlns:a16="http://schemas.microsoft.com/office/drawing/2014/main" id="{048B7F1B-6131-99C6-8C45-601C3CCB3967}"/>
+              </a:ext>
+            </a:extLst>
+          </p:cNvPr>
+          <p:cNvSpPr txBox="1"/>
+          <p:nvPr/>
+        </p:nvSpPr>
+        <p:spPr>
+          <a:xfrm>
+            <a:off x="1576163" y="2739187"/>
+            <a:ext cx="3720353" cy="1200329"/>
+          </a:xfrm>
+          <a:prstGeom prst="rect">
+            <a:avLst/>
+          </a:prstGeom>
+          <a:noFill/>
+        </p:spPr>
+        <p:txBody>
+          <a:bodyPr wrap="square">
+            <a:spAutoFit/>
+          </a:bodyPr>
+          <a:lstStyle/>
+          <a:p>
+            <a:r>
+              <a:rPr lang="ru-RU" dirty="0"/>
+              <a:t>Две стрелочки слева сверху позволяют вернуться к прошлым фильтрам поиска, а затем к последующим.</a:t>
+            </a:r>
+          </a:p>
+        </p:txBody>
+      </p:sp>
+      <p:pic>
+        <p:nvPicPr>
+          <p:cNvPr id="5" name="Рисунок 4">
+            <a:extLst>
+              <a:ext uri="{FF2B5EF4-FFF2-40B4-BE49-F238E27FC236}">
+                <a16:creationId xmlns:a16="http://schemas.microsoft.com/office/drawing/2014/main" id="{B866A077-4EFB-18FF-78E5-F11DB88C2E9D}"/>
+              </a:ext>
+            </a:extLst>
+          </p:cNvPr>
+          <p:cNvPicPr>
+            <a:picLocks noChangeAspect="1"/>
+          </p:cNvPicPr>
+          <p:nvPr/>
+        </p:nvPicPr>
+        <p:blipFill>
+          <a:blip r:embed="rId2">
+            <a:extLst>
+              <a:ext uri="{28A0092B-C50C-407E-A947-70E740481C1C}">
+                <a14:useLocalDpi xmlns:a14="http://schemas.microsoft.com/office/drawing/2010/main" val="0"/>
+              </a:ext>
+            </a:extLst>
+          </a:blip>
+          <a:stretch>
+            <a:fillRect/>
+          </a:stretch>
+        </p:blipFill>
+        <p:spPr>
+          <a:xfrm>
+            <a:off x="6145977" y="199125"/>
+            <a:ext cx="5219368" cy="2946335"/>
+          </a:xfrm>
+          <a:prstGeom prst="rect">
+            <a:avLst/>
+          </a:prstGeom>
+        </p:spPr>
+      </p:pic>
+      <p:pic>
+        <p:nvPicPr>
+          <p:cNvPr id="7" name="Рисунок 6">
+            <a:extLst>
+              <a:ext uri="{FF2B5EF4-FFF2-40B4-BE49-F238E27FC236}">
+                <a16:creationId xmlns:a16="http://schemas.microsoft.com/office/drawing/2014/main" id="{FCA3FC9A-3A8A-7A29-F615-AFC6A72EAC9C}"/>
+              </a:ext>
+            </a:extLst>
+          </p:cNvPr>
+          <p:cNvPicPr>
+            <a:picLocks noChangeAspect="1"/>
+          </p:cNvPicPr>
+          <p:nvPr/>
+        </p:nvPicPr>
+        <p:blipFill>
+          <a:blip r:embed="rId3">
+            <a:extLst>
+              <a:ext uri="{28A0092B-C50C-407E-A947-70E740481C1C}">
+                <a14:useLocalDpi xmlns:a14="http://schemas.microsoft.com/office/drawing/2010/main" val="0"/>
+              </a:ext>
+            </a:extLst>
+          </a:blip>
+          <a:stretch>
+            <a:fillRect/>
+          </a:stretch>
+        </p:blipFill>
+        <p:spPr>
+          <a:xfrm>
+            <a:off x="6145977" y="3709679"/>
+            <a:ext cx="5219368" cy="2949196"/>
+          </a:xfrm>
+          <a:prstGeom prst="rect">
+            <a:avLst/>
+          </a:prstGeom>
+        </p:spPr>
+      </p:pic>
+      <p:cxnSp>
+        <p:nvCxnSpPr>
+          <p:cNvPr id="9" name="Прямая со стрелкой 8">
+            <a:extLst>
+              <a:ext uri="{FF2B5EF4-FFF2-40B4-BE49-F238E27FC236}">
+                <a16:creationId xmlns:a16="http://schemas.microsoft.com/office/drawing/2014/main" id="{D647E8A2-6F8A-DE76-ACD7-FE5EC4B4424F}"/>
+              </a:ext>
+            </a:extLst>
+          </p:cNvPr>
+          <p:cNvCxnSpPr>
+            <a:cxnSpLocks/>
+          </p:cNvCxnSpPr>
+          <p:nvPr/>
+        </p:nvCxnSpPr>
+        <p:spPr>
+          <a:xfrm>
+            <a:off x="8755661" y="3214701"/>
+            <a:ext cx="0" cy="428597"/>
+          </a:xfrm>
+          <a:prstGeom prst="straightConnector1">
+            <a:avLst/>
+          </a:prstGeom>
+          <a:ln>
+            <a:solidFill>
+              <a:srgbClr val="FF0000"/>
+            </a:solidFill>
+            <a:headEnd type="triangle"/>
+            <a:tailEnd type="triangle"/>
+          </a:ln>
+        </p:spPr>
+        <p:style>
+          <a:lnRef idx="1">
+            <a:schemeClr val="accent1"/>
+          </a:lnRef>
+          <a:fillRef idx="0">
+            <a:schemeClr val="accent1"/>
+          </a:fillRef>
+          <a:effectRef idx="0">
+            <a:schemeClr val="accent1"/>
+          </a:effectRef>
+          <a:fontRef idx="minor">
+            <a:schemeClr val="tx1"/>
+          </a:fontRef>
+        </p:style>
+      </p:cxnSp>
+    </p:spTree>
+    <p:extLst>
+      <p:ext uri="{BB962C8B-B14F-4D97-AF65-F5344CB8AC3E}">
+        <p14:creationId xmlns:p14="http://schemas.microsoft.com/office/powerpoint/2010/main" val="489594832"/>
+      </p:ext>
+    </p:extLst>
+  </p:cSld>
+  <p:clrMapOvr>
+    <a:masterClrMapping/>
+  </p:clrMapOvr>
+</p:sld>
+</file>
+
+<file path=ppt/slides/slide12.xml><?xml version="1.0" encoding="utf-8"?>
+<p:sld xmlns:a="http://schemas.openxmlformats.org/drawingml/2006/main" xmlns:r="http://schemas.openxmlformats.org/officeDocument/2006/relationships" xmlns:p="http://schemas.openxmlformats.org/presentationml/2006/main">
+  <p:cSld>
+    <p:spTree>
+      <p:nvGrpSpPr>
+        <p:cNvPr id="1" name=""/>
+        <p:cNvGrpSpPr/>
+        <p:nvPr/>
+      </p:nvGrpSpPr>
+      <p:grpSpPr>
+        <a:xfrm>
+          <a:off x="0" y="0"/>
+          <a:ext cx="0" cy="0"/>
+          <a:chOff x="0" y="0"/>
+          <a:chExt cx="0" cy="0"/>
+        </a:xfrm>
+      </p:grpSpPr>
+      <p:sp>
+        <p:nvSpPr>
+          <p:cNvPr id="2" name="TextBox 1">
+            <a:extLst>
+              <a:ext uri="{FF2B5EF4-FFF2-40B4-BE49-F238E27FC236}">
+                <a16:creationId xmlns:a16="http://schemas.microsoft.com/office/drawing/2014/main" id="{2125630F-0634-1464-9470-DC381573EB53}"/>
+              </a:ext>
+            </a:extLst>
+          </p:cNvPr>
+          <p:cNvSpPr txBox="1"/>
+          <p:nvPr/>
+        </p:nvSpPr>
+        <p:spPr>
+          <a:xfrm>
+            <a:off x="968730" y="116541"/>
+            <a:ext cx="1721946" cy="584775"/>
+          </a:xfrm>
+          <a:prstGeom prst="rect">
+            <a:avLst/>
+          </a:prstGeom>
+          <a:noFill/>
+        </p:spPr>
+        <p:txBody>
+          <a:bodyPr wrap="none" rtlCol="0">
+            <a:spAutoFit/>
+          </a:bodyPr>
+          <a:lstStyle/>
+          <a:p>
+            <a:r>
+              <a:rPr lang="ru-RU" sz="3200" dirty="0"/>
+              <a:t>Выводы:</a:t>
+            </a:r>
+          </a:p>
+        </p:txBody>
+      </p:sp>
+      <p:sp>
+        <p:nvSpPr>
+          <p:cNvPr id="3" name="TextBox 2">
+            <a:extLst>
+              <a:ext uri="{FF2B5EF4-FFF2-40B4-BE49-F238E27FC236}">
+                <a16:creationId xmlns:a16="http://schemas.microsoft.com/office/drawing/2014/main" id="{F245445B-8FDA-502A-36B9-7BEB9A21158C}"/>
+              </a:ext>
+            </a:extLst>
+          </p:cNvPr>
+          <p:cNvSpPr txBox="1"/>
+          <p:nvPr/>
+        </p:nvSpPr>
+        <p:spPr>
+          <a:xfrm>
+            <a:off x="968729" y="701316"/>
+            <a:ext cx="10746962" cy="1477328"/>
+          </a:xfrm>
+          <a:prstGeom prst="rect">
+            <a:avLst/>
+          </a:prstGeom>
+          <a:noFill/>
+        </p:spPr>
+        <p:txBody>
+          <a:bodyPr wrap="square" rtlCol="0">
+            <a:spAutoFit/>
+          </a:bodyPr>
+          <a:lstStyle/>
+          <a:p>
+            <a:r>
+              <a:rPr lang="ru-RU" dirty="0"/>
+              <a:t>Работа над библиотекой была наполнена неожиданностями, приятными и не очень. Виджеты </a:t>
+            </a:r>
+            <a:r>
+              <a:rPr lang="en-US" dirty="0"/>
+              <a:t>Qt</a:t>
+            </a:r>
+            <a:r>
+              <a:rPr lang="ru-RU" dirty="0"/>
+              <a:t> не всегда справлялись с моими требованиями и приходилось искать обходные пути для осуществления задуманного. Работа с файлами и архивами через код тоже была не совсем привычна для пользователя </a:t>
+            </a:r>
+            <a:r>
+              <a:rPr lang="en-US" dirty="0"/>
+              <a:t>Windows</a:t>
+            </a:r>
+            <a:r>
+              <a:rPr lang="ru-RU" dirty="0"/>
+              <a:t>. Но в целом я рад, что смог преодолеть большинство трудностей и завершить работу над проектом.</a:t>
+            </a:r>
+          </a:p>
+        </p:txBody>
+      </p:sp>
+      <p:sp>
+        <p:nvSpPr>
+          <p:cNvPr id="5" name="TextBox 4">
+            <a:extLst>
+              <a:ext uri="{FF2B5EF4-FFF2-40B4-BE49-F238E27FC236}">
+                <a16:creationId xmlns:a16="http://schemas.microsoft.com/office/drawing/2014/main" id="{D5BBD14B-CA65-E531-8C92-CED24C3A391D}"/>
+              </a:ext>
+            </a:extLst>
+          </p:cNvPr>
+          <p:cNvSpPr txBox="1"/>
+          <p:nvPr/>
+        </p:nvSpPr>
+        <p:spPr>
+          <a:xfrm>
+            <a:off x="968730" y="2178644"/>
+            <a:ext cx="5616797" cy="584775"/>
+          </a:xfrm>
+          <a:prstGeom prst="rect">
+            <a:avLst/>
+          </a:prstGeom>
+          <a:noFill/>
+        </p:spPr>
+        <p:txBody>
+          <a:bodyPr wrap="square">
+            <a:spAutoFit/>
+          </a:bodyPr>
+          <a:lstStyle/>
+          <a:p>
+            <a:r>
+              <a:rPr lang="ru-RU" sz="3200" dirty="0"/>
+              <a:t>Возможности для доработки:</a:t>
+            </a:r>
+          </a:p>
+        </p:txBody>
+      </p:sp>
+      <p:sp>
+        <p:nvSpPr>
+          <p:cNvPr id="6" name="TextBox 5">
+            <a:extLst>
+              <a:ext uri="{FF2B5EF4-FFF2-40B4-BE49-F238E27FC236}">
+                <a16:creationId xmlns:a16="http://schemas.microsoft.com/office/drawing/2014/main" id="{BF650BF5-9BB1-0C0C-1A5F-67348378E864}"/>
+              </a:ext>
+            </a:extLst>
+          </p:cNvPr>
+          <p:cNvSpPr txBox="1"/>
+          <p:nvPr/>
+        </p:nvSpPr>
+        <p:spPr>
+          <a:xfrm>
+            <a:off x="968729" y="2763419"/>
+            <a:ext cx="10746962" cy="1477328"/>
+          </a:xfrm>
+          <a:prstGeom prst="rect">
+            <a:avLst/>
+          </a:prstGeom>
+          <a:noFill/>
+        </p:spPr>
+        <p:txBody>
+          <a:bodyPr wrap="square" rtlCol="0">
+            <a:spAutoFit/>
+          </a:bodyPr>
+          <a:lstStyle/>
+          <a:p>
+            <a:r>
+              <a:rPr lang="ru-RU" dirty="0"/>
+              <a:t>Можно долго фантазировать относительно будущих функций (вплоть до написания книг нейросетью </a:t>
+            </a:r>
+            <a:r>
+              <a:rPr lang="ru-RU" dirty="0">
+                <a:sym typeface="Wingdings" panose="05000000000000000000" pitchFamily="2" charset="2"/>
+              </a:rPr>
+              <a:t>), но в ближайшей перспективе: добавление перелистывания страниц, а не прокручивания текста, как сейчас; сохранение последней прочитанной страницы; обмен книгами через интернет; автоматическая </a:t>
+            </a:r>
+            <a:r>
+              <a:rPr lang="ru-RU" dirty="0" err="1">
+                <a:sym typeface="Wingdings" panose="05000000000000000000" pitchFamily="2" charset="2"/>
+              </a:rPr>
+              <a:t>подгрузка</a:t>
+            </a:r>
+            <a:r>
+              <a:rPr lang="ru-RU" dirty="0">
+                <a:sym typeface="Wingdings" panose="05000000000000000000" pitchFamily="2" charset="2"/>
+              </a:rPr>
+              <a:t> результатов поиска и установки шрифта (без нажатия отдельных кнопок для этого); синтез речи для автоматического чтения книг (хотя, возможно, это тоже не скоро)</a:t>
+            </a:r>
+            <a:endParaRPr lang="ru-RU" dirty="0"/>
+          </a:p>
+        </p:txBody>
+      </p:sp>
+    </p:spTree>
+    <p:extLst>
+      <p:ext uri="{BB962C8B-B14F-4D97-AF65-F5344CB8AC3E}">
+        <p14:creationId xmlns:p14="http://schemas.microsoft.com/office/powerpoint/2010/main" val="2165419183"/>
+      </p:ext>
+    </p:extLst>
+  </p:cSld>
+  <p:clrMapOvr>
+    <a:masterClrMapping/>
+  </p:clrMapOvr>
+</p:sld>
+</file>
+
+<file path=ppt/slides/slide13.xml><?xml version="1.0" encoding="utf-8"?>
+<p:sld xmlns:a="http://schemas.openxmlformats.org/drawingml/2006/main" xmlns:r="http://schemas.openxmlformats.org/officeDocument/2006/relationships" xmlns:p="http://schemas.openxmlformats.org/presentationml/2006/main">
+  <p:cSld>
+    <p:spTree>
+      <p:nvGrpSpPr>
+        <p:cNvPr id="1" name=""/>
+        <p:cNvGrpSpPr/>
+        <p:nvPr/>
+      </p:nvGrpSpPr>
+      <p:grpSpPr>
+        <a:xfrm>
+          <a:off x="0" y="0"/>
+          <a:ext cx="0" cy="0"/>
+          <a:chOff x="0" y="0"/>
+          <a:chExt cx="0" cy="0"/>
+        </a:xfrm>
+      </p:grpSpPr>
+      <p:sp>
+        <p:nvSpPr>
           <p:cNvPr id="2" name="TextBox 1">
             <a:extLst>
               <a:ext uri="{FF2B5EF4-FFF2-40B4-BE49-F238E27FC236}">
@@ -4000,6 +4590,612 @@
 </file>
 
 <file path=ppt/slides/slide2.xml><?xml version="1.0" encoding="utf-8"?>
+<p:sld xmlns:a="http://schemas.openxmlformats.org/drawingml/2006/main" xmlns:r="http://schemas.openxmlformats.org/officeDocument/2006/relationships" xmlns:p="http://schemas.openxmlformats.org/presentationml/2006/main">
+  <p:cSld>
+    <p:spTree>
+      <p:nvGrpSpPr>
+        <p:cNvPr id="1" name=""/>
+        <p:cNvGrpSpPr/>
+        <p:nvPr/>
+      </p:nvGrpSpPr>
+      <p:grpSpPr>
+        <a:xfrm>
+          <a:off x="0" y="0"/>
+          <a:ext cx="0" cy="0"/>
+          <a:chOff x="0" y="0"/>
+          <a:chExt cx="0" cy="0"/>
+        </a:xfrm>
+      </p:grpSpPr>
+      <p:sp>
+        <p:nvSpPr>
+          <p:cNvPr id="4" name="TextBox 3">
+            <a:extLst>
+              <a:ext uri="{FF2B5EF4-FFF2-40B4-BE49-F238E27FC236}">
+                <a16:creationId xmlns:a16="http://schemas.microsoft.com/office/drawing/2014/main" id="{74AA674E-C2CF-D7E8-73C3-CFEFE3556BE1}"/>
+              </a:ext>
+            </a:extLst>
+          </p:cNvPr>
+          <p:cNvSpPr txBox="1"/>
+          <p:nvPr/>
+        </p:nvSpPr>
+        <p:spPr>
+          <a:xfrm>
+            <a:off x="986118" y="98611"/>
+            <a:ext cx="2024913" cy="584775"/>
+          </a:xfrm>
+          <a:prstGeom prst="rect">
+            <a:avLst/>
+          </a:prstGeom>
+          <a:noFill/>
+        </p:spPr>
+        <p:txBody>
+          <a:bodyPr wrap="none" rtlCol="0">
+            <a:spAutoFit/>
+          </a:bodyPr>
+          <a:lstStyle/>
+          <a:p>
+            <a:r>
+              <a:rPr lang="ru-RU" sz="3200" dirty="0"/>
+              <a:t>Введение:</a:t>
+            </a:r>
+          </a:p>
+        </p:txBody>
+      </p:sp>
+      <p:sp>
+        <p:nvSpPr>
+          <p:cNvPr id="5" name="TextBox 4">
+            <a:extLst>
+              <a:ext uri="{FF2B5EF4-FFF2-40B4-BE49-F238E27FC236}">
+                <a16:creationId xmlns:a16="http://schemas.microsoft.com/office/drawing/2014/main" id="{0CBD8DC9-DC61-0FBB-A8E2-80FCEB77B996}"/>
+              </a:ext>
+            </a:extLst>
+          </p:cNvPr>
+          <p:cNvSpPr txBox="1"/>
+          <p:nvPr/>
+        </p:nvSpPr>
+        <p:spPr>
+          <a:xfrm>
+            <a:off x="986118" y="788351"/>
+            <a:ext cx="10337664" cy="923330"/>
+          </a:xfrm>
+          <a:prstGeom prst="rect">
+            <a:avLst/>
+          </a:prstGeom>
+          <a:noFill/>
+        </p:spPr>
+        <p:txBody>
+          <a:bodyPr wrap="square" rtlCol="0">
+            <a:spAutoFit/>
+          </a:bodyPr>
+          <a:lstStyle/>
+          <a:p>
+            <a:r>
+              <a:rPr lang="ru-RU" dirty="0"/>
+              <a:t>Я, как и моя семья, очень люблю читать. Но книги, которые я во множестве скачиваю с интернета, хранятся беспорядочно, и это затрудняет их поиск. Приложение библиотека значительно ускорит этот процесс.</a:t>
+            </a:r>
+          </a:p>
+        </p:txBody>
+      </p:sp>
+      <p:sp>
+        <p:nvSpPr>
+          <p:cNvPr id="6" name="TextBox 5">
+            <a:extLst>
+              <a:ext uri="{FF2B5EF4-FFF2-40B4-BE49-F238E27FC236}">
+                <a16:creationId xmlns:a16="http://schemas.microsoft.com/office/drawing/2014/main" id="{F3C8EA16-D258-C0F2-4E92-C852A391C971}"/>
+              </a:ext>
+            </a:extLst>
+          </p:cNvPr>
+          <p:cNvSpPr txBox="1"/>
+          <p:nvPr/>
+        </p:nvSpPr>
+        <p:spPr>
+          <a:xfrm>
+            <a:off x="986118" y="1816646"/>
+            <a:ext cx="5876500" cy="923330"/>
+          </a:xfrm>
+          <a:prstGeom prst="rect">
+            <a:avLst/>
+          </a:prstGeom>
+          <a:noFill/>
+        </p:spPr>
+        <p:txBody>
+          <a:bodyPr wrap="square" rtlCol="0">
+            <a:spAutoFit/>
+          </a:bodyPr>
+          <a:lstStyle/>
+          <a:p>
+            <a:r>
+              <a:rPr lang="ru-RU" dirty="0"/>
+              <a:t>Приложение создано для работы с файлами библиотек, с книгами, их структурированием, поиском, добавлением, удалением и чтением.</a:t>
+            </a:r>
+          </a:p>
+        </p:txBody>
+      </p:sp>
+    </p:spTree>
+    <p:extLst>
+      <p:ext uri="{BB962C8B-B14F-4D97-AF65-F5344CB8AC3E}">
+        <p14:creationId xmlns:p14="http://schemas.microsoft.com/office/powerpoint/2010/main" val="3829605473"/>
+      </p:ext>
+    </p:extLst>
+  </p:cSld>
+  <p:clrMapOvr>
+    <a:masterClrMapping/>
+  </p:clrMapOvr>
+</p:sld>
+</file>
+
+<file path=ppt/slides/slide3.xml><?xml version="1.0" encoding="utf-8"?>
+<p:sld xmlns:a="http://schemas.openxmlformats.org/drawingml/2006/main" xmlns:r="http://schemas.openxmlformats.org/officeDocument/2006/relationships" xmlns:p="http://schemas.openxmlformats.org/presentationml/2006/main">
+  <p:cSld>
+    <p:spTree>
+      <p:nvGrpSpPr>
+        <p:cNvPr id="1" name=""/>
+        <p:cNvGrpSpPr/>
+        <p:nvPr/>
+      </p:nvGrpSpPr>
+      <p:grpSpPr>
+        <a:xfrm>
+          <a:off x="0" y="0"/>
+          <a:ext cx="0" cy="0"/>
+          <a:chOff x="0" y="0"/>
+          <a:chExt cx="0" cy="0"/>
+        </a:xfrm>
+      </p:grpSpPr>
+      <p:sp>
+        <p:nvSpPr>
+          <p:cNvPr id="4" name="TextBox 3">
+            <a:extLst>
+              <a:ext uri="{FF2B5EF4-FFF2-40B4-BE49-F238E27FC236}">
+                <a16:creationId xmlns:a16="http://schemas.microsoft.com/office/drawing/2014/main" id="{A7738B04-2A6E-93BB-870A-7B5DE56F10BD}"/>
+              </a:ext>
+            </a:extLst>
+          </p:cNvPr>
+          <p:cNvSpPr txBox="1"/>
+          <p:nvPr/>
+        </p:nvSpPr>
+        <p:spPr>
+          <a:xfrm>
+            <a:off x="914401" y="129309"/>
+            <a:ext cx="2256708" cy="646331"/>
+          </a:xfrm>
+          <a:prstGeom prst="rect">
+            <a:avLst/>
+          </a:prstGeom>
+          <a:noFill/>
+        </p:spPr>
+        <p:txBody>
+          <a:bodyPr wrap="none" rtlCol="0">
+            <a:spAutoFit/>
+          </a:bodyPr>
+          <a:lstStyle/>
+          <a:p>
+            <a:r>
+              <a:rPr lang="ru-RU" sz="3600" dirty="0"/>
+              <a:t>Структура:</a:t>
+            </a:r>
+          </a:p>
+        </p:txBody>
+      </p:sp>
+      <p:sp>
+        <p:nvSpPr>
+          <p:cNvPr id="5" name="TextBox 4">
+            <a:extLst>
+              <a:ext uri="{FF2B5EF4-FFF2-40B4-BE49-F238E27FC236}">
+                <a16:creationId xmlns:a16="http://schemas.microsoft.com/office/drawing/2014/main" id="{950171F8-820E-983C-8362-E03EE405AF89}"/>
+              </a:ext>
+            </a:extLst>
+          </p:cNvPr>
+          <p:cNvSpPr txBox="1"/>
+          <p:nvPr/>
+        </p:nvSpPr>
+        <p:spPr>
+          <a:xfrm>
+            <a:off x="914401" y="775640"/>
+            <a:ext cx="11083635" cy="923330"/>
+          </a:xfrm>
+          <a:prstGeom prst="rect">
+            <a:avLst/>
+          </a:prstGeom>
+          <a:noFill/>
+        </p:spPr>
+        <p:txBody>
+          <a:bodyPr wrap="square" rtlCol="0">
+            <a:spAutoFit/>
+          </a:bodyPr>
+          <a:lstStyle/>
+          <a:p>
+            <a:r>
+              <a:rPr lang="ru-RU" dirty="0"/>
+              <a:t>Алгоритм приложения прописан в двух файлах: </a:t>
+            </a:r>
+            <a:r>
+              <a:rPr lang="en-US" dirty="0"/>
+              <a:t>main.py (main.exe)</a:t>
+            </a:r>
+            <a:r>
+              <a:rPr lang="ru-RU" dirty="0"/>
+              <a:t> и </a:t>
+            </a:r>
+            <a:r>
+              <a:rPr lang="en-US" dirty="0"/>
+              <a:t>library.py.</a:t>
+            </a:r>
+          </a:p>
+          <a:p>
+            <a:r>
+              <a:rPr lang="en-US" dirty="0"/>
+              <a:t>main.py </a:t>
+            </a:r>
+            <a:r>
+              <a:rPr lang="ru-RU" dirty="0"/>
+              <a:t>отвечает за работу с интерфейсом всех окон, существующих в приложении; </a:t>
+            </a:r>
+            <a:r>
+              <a:rPr lang="en-US" dirty="0"/>
+              <a:t>library.py</a:t>
+            </a:r>
+            <a:r>
+              <a:rPr lang="ru-RU" dirty="0"/>
+              <a:t> описывает каждую открытую в приложении библиотеку и её структуру.</a:t>
+            </a:r>
+          </a:p>
+        </p:txBody>
+      </p:sp>
+      <p:sp>
+        <p:nvSpPr>
+          <p:cNvPr id="6" name="TextBox 5">
+            <a:extLst>
+              <a:ext uri="{FF2B5EF4-FFF2-40B4-BE49-F238E27FC236}">
+                <a16:creationId xmlns:a16="http://schemas.microsoft.com/office/drawing/2014/main" id="{2219AEEA-F624-AE6E-5D8D-EF34C1978847}"/>
+              </a:ext>
+            </a:extLst>
+          </p:cNvPr>
+          <p:cNvSpPr txBox="1"/>
+          <p:nvPr/>
+        </p:nvSpPr>
+        <p:spPr>
+          <a:xfrm>
+            <a:off x="914400" y="1698970"/>
+            <a:ext cx="11083635" cy="1200329"/>
+          </a:xfrm>
+          <a:prstGeom prst="rect">
+            <a:avLst/>
+          </a:prstGeom>
+          <a:noFill/>
+        </p:spPr>
+        <p:txBody>
+          <a:bodyPr wrap="square" rtlCol="0">
+            <a:spAutoFit/>
+          </a:bodyPr>
+          <a:lstStyle/>
+          <a:p>
+            <a:r>
+              <a:rPr lang="en-US" dirty="0"/>
+              <a:t>main.py</a:t>
+            </a:r>
+            <a:r>
+              <a:rPr lang="ru-RU" dirty="0"/>
+              <a:t> содержит три класса: </a:t>
+            </a:r>
+            <a:r>
+              <a:rPr lang="en-US" dirty="0" err="1"/>
+              <a:t>MainWindow</a:t>
+            </a:r>
+            <a:r>
+              <a:rPr lang="en-US" dirty="0"/>
+              <a:t> </a:t>
+            </a:r>
+            <a:r>
+              <a:rPr lang="ru-RU" dirty="0"/>
+              <a:t>отвечает за основное окно, </a:t>
+            </a:r>
+            <a:r>
+              <a:rPr lang="en-US" dirty="0" err="1"/>
+              <a:t>BookText</a:t>
+            </a:r>
+            <a:r>
+              <a:rPr lang="en-US" dirty="0"/>
+              <a:t> </a:t>
+            </a:r>
+            <a:r>
+              <a:rPr lang="ru-RU" dirty="0"/>
+              <a:t>– за окно чтения книги и </a:t>
+            </a:r>
+            <a:r>
+              <a:rPr lang="en-US" dirty="0" err="1"/>
+              <a:t>ChoiceBook</a:t>
+            </a:r>
+            <a:r>
+              <a:rPr lang="en-US" dirty="0"/>
+              <a:t> – </a:t>
+            </a:r>
+            <a:r>
+              <a:rPr lang="ru-RU" dirty="0"/>
+              <a:t>за добавление новых книг. </a:t>
+            </a:r>
+            <a:r>
+              <a:rPr lang="en-US" dirty="0"/>
+              <a:t>library.py </a:t>
+            </a:r>
+            <a:r>
+              <a:rPr lang="ru-RU" dirty="0"/>
+              <a:t>содержит только один класс </a:t>
+            </a:r>
+            <a:r>
+              <a:rPr lang="en-US" dirty="0"/>
+              <a:t>Library</a:t>
+            </a:r>
+            <a:r>
+              <a:rPr lang="ru-RU" dirty="0"/>
+              <a:t> (про его функционал я рассказал выше) и функцию, создающую пустую базу данных со всеми нужными таблицами, столбцами в них и связями с другими таблицами.</a:t>
+            </a:r>
+          </a:p>
+        </p:txBody>
+      </p:sp>
+      <p:sp>
+        <p:nvSpPr>
+          <p:cNvPr id="7" name="TextBox 6">
+            <a:extLst>
+              <a:ext uri="{FF2B5EF4-FFF2-40B4-BE49-F238E27FC236}">
+                <a16:creationId xmlns:a16="http://schemas.microsoft.com/office/drawing/2014/main" id="{D8F2840B-6E3B-E13B-4BEE-2F6342661015}"/>
+              </a:ext>
+            </a:extLst>
+          </p:cNvPr>
+          <p:cNvSpPr txBox="1"/>
+          <p:nvPr/>
+        </p:nvSpPr>
+        <p:spPr>
+          <a:xfrm flipH="1">
+            <a:off x="914397" y="2899299"/>
+            <a:ext cx="11083636" cy="646331"/>
+          </a:xfrm>
+          <a:prstGeom prst="rect">
+            <a:avLst/>
+          </a:prstGeom>
+          <a:noFill/>
+        </p:spPr>
+        <p:txBody>
+          <a:bodyPr wrap="square" rtlCol="0">
+            <a:spAutoFit/>
+          </a:bodyPr>
+          <a:lstStyle/>
+          <a:p>
+            <a:r>
+              <a:rPr lang="ru-RU" dirty="0"/>
+              <a:t>Файлы с интерфейсом – </a:t>
+            </a:r>
+            <a:r>
+              <a:rPr lang="en-US" dirty="0" err="1"/>
+              <a:t>main_window</a:t>
+            </a:r>
+            <a:r>
+              <a:rPr lang="en-US" dirty="0"/>
+              <a:t>, </a:t>
+            </a:r>
+            <a:r>
+              <a:rPr lang="en-US" dirty="0" err="1"/>
+              <a:t>book_window</a:t>
+            </a:r>
+            <a:r>
+              <a:rPr lang="en-US" dirty="0"/>
+              <a:t> </a:t>
+            </a:r>
+            <a:r>
+              <a:rPr lang="ru-RU" dirty="0"/>
+              <a:t>и </a:t>
+            </a:r>
+            <a:r>
+              <a:rPr lang="en-US" dirty="0" err="1"/>
+              <a:t>choice_book_window</a:t>
+            </a:r>
+            <a:r>
+              <a:rPr lang="en-US" dirty="0"/>
+              <a:t> </a:t>
+            </a:r>
+            <a:r>
+              <a:rPr lang="ru-RU" dirty="0"/>
+              <a:t>имеют каждый по две копии (</a:t>
+            </a:r>
+            <a:r>
+              <a:rPr lang="en-US" dirty="0"/>
+              <a:t>.</a:t>
+            </a:r>
+            <a:r>
+              <a:rPr lang="en-US" dirty="0" err="1"/>
+              <a:t>ui</a:t>
+            </a:r>
+            <a:r>
+              <a:rPr lang="en-US" dirty="0"/>
+              <a:t> </a:t>
+            </a:r>
+            <a:r>
+              <a:rPr lang="ru-RU" dirty="0"/>
+              <a:t>и</a:t>
+            </a:r>
+            <a:r>
+              <a:rPr lang="en-US" dirty="0"/>
+              <a:t> .</a:t>
+            </a:r>
+            <a:r>
+              <a:rPr lang="en-US" dirty="0" err="1"/>
+              <a:t>py</a:t>
+            </a:r>
+            <a:r>
+              <a:rPr lang="en-US" dirty="0"/>
+              <a:t>).</a:t>
+            </a:r>
+            <a:endParaRPr lang="ru-RU" dirty="0"/>
+          </a:p>
+        </p:txBody>
+      </p:sp>
+      <p:sp>
+        <p:nvSpPr>
+          <p:cNvPr id="8" name="TextBox 7">
+            <a:extLst>
+              <a:ext uri="{FF2B5EF4-FFF2-40B4-BE49-F238E27FC236}">
+                <a16:creationId xmlns:a16="http://schemas.microsoft.com/office/drawing/2014/main" id="{125A3F36-38BD-8856-DE3F-589A897870A2}"/>
+              </a:ext>
+            </a:extLst>
+          </p:cNvPr>
+          <p:cNvSpPr txBox="1"/>
+          <p:nvPr/>
+        </p:nvSpPr>
+        <p:spPr>
+          <a:xfrm>
+            <a:off x="914397" y="3545630"/>
+            <a:ext cx="11083634" cy="646331"/>
+          </a:xfrm>
+          <a:prstGeom prst="rect">
+            <a:avLst/>
+          </a:prstGeom>
+          <a:noFill/>
+        </p:spPr>
+        <p:txBody>
+          <a:bodyPr wrap="square" rtlCol="0">
+            <a:spAutoFit/>
+          </a:bodyPr>
+          <a:lstStyle/>
+          <a:p>
+            <a:r>
+              <a:rPr lang="ru-RU" dirty="0"/>
+              <a:t>Текстовые файлы</a:t>
+            </a:r>
+            <a:r>
+              <a:rPr lang="en-US" dirty="0"/>
+              <a:t>:</a:t>
+            </a:r>
+            <a:r>
+              <a:rPr lang="ru-RU" dirty="0"/>
+              <a:t> </a:t>
+            </a:r>
+            <a:r>
+              <a:rPr lang="en-US" dirty="0"/>
+              <a:t>help (</a:t>
+            </a:r>
+            <a:r>
+              <a:rPr lang="ru-RU" dirty="0"/>
+              <a:t>содержит текст справки)</a:t>
+            </a:r>
+            <a:r>
+              <a:rPr lang="en-US" dirty="0"/>
+              <a:t>, requirements (</a:t>
+            </a:r>
+            <a:r>
+              <a:rPr lang="ru-RU" dirty="0"/>
+              <a:t>содержит список библиотек (для </a:t>
+            </a:r>
+            <a:r>
+              <a:rPr lang="en-US" dirty="0"/>
+              <a:t>python)</a:t>
+            </a:r>
+            <a:r>
+              <a:rPr lang="ru-RU" dirty="0"/>
+              <a:t>),</a:t>
+            </a:r>
+            <a:r>
+              <a:rPr lang="en-US" dirty="0"/>
+              <a:t> settings</a:t>
+            </a:r>
+            <a:r>
+              <a:rPr lang="ru-RU" dirty="0"/>
+              <a:t> (настройки стиля текста) и </a:t>
+            </a:r>
+            <a:r>
+              <a:rPr lang="en-US" dirty="0" err="1"/>
+              <a:t>last_libraries</a:t>
+            </a:r>
+            <a:r>
+              <a:rPr lang="en-US" dirty="0"/>
+              <a:t> (</a:t>
+            </a:r>
+            <a:r>
+              <a:rPr lang="ru-RU" dirty="0"/>
+              <a:t>содержит список библиотек </a:t>
+            </a:r>
+            <a:r>
+              <a:rPr lang="en-US" dirty="0"/>
+              <a:t>(</a:t>
+            </a:r>
+            <a:r>
+              <a:rPr lang="ru-RU" dirty="0"/>
+              <a:t>с книгами, базой данных и т. д.))</a:t>
+            </a:r>
+          </a:p>
+        </p:txBody>
+      </p:sp>
+      <p:sp>
+        <p:nvSpPr>
+          <p:cNvPr id="9" name="TextBox 8">
+            <a:extLst>
+              <a:ext uri="{FF2B5EF4-FFF2-40B4-BE49-F238E27FC236}">
+                <a16:creationId xmlns:a16="http://schemas.microsoft.com/office/drawing/2014/main" id="{724EABE6-2CC2-82FE-86F7-6B6C5676B2B5}"/>
+              </a:ext>
+            </a:extLst>
+          </p:cNvPr>
+          <p:cNvSpPr txBox="1"/>
+          <p:nvPr/>
+        </p:nvSpPr>
+        <p:spPr>
+          <a:xfrm>
+            <a:off x="914399" y="4191961"/>
+            <a:ext cx="11083634" cy="646331"/>
+          </a:xfrm>
+          <a:prstGeom prst="rect">
+            <a:avLst/>
+          </a:prstGeom>
+          <a:noFill/>
+        </p:spPr>
+        <p:txBody>
+          <a:bodyPr wrap="square" rtlCol="0">
+            <a:spAutoFit/>
+          </a:bodyPr>
+          <a:lstStyle/>
+          <a:p>
+            <a:r>
+              <a:rPr lang="ru-RU" dirty="0"/>
+              <a:t>И две папки: </a:t>
+            </a:r>
+            <a:r>
+              <a:rPr lang="en-US" dirty="0"/>
+              <a:t>Libraries </a:t>
+            </a:r>
+            <a:r>
+              <a:rPr lang="ru-RU" dirty="0"/>
+              <a:t>по умолчанию хранит все созданные когда-либо библиотеки в формате </a:t>
+            </a:r>
+            <a:r>
+              <a:rPr lang="en-US" dirty="0"/>
+              <a:t>.lib</a:t>
+            </a:r>
+            <a:r>
+              <a:rPr lang="ru-RU" dirty="0"/>
+              <a:t>, а </a:t>
+            </a:r>
+            <a:r>
+              <a:rPr lang="en-US" dirty="0"/>
+              <a:t>Last library </a:t>
+            </a:r>
+            <a:r>
+              <a:rPr lang="ru-RU" dirty="0"/>
+              <a:t>содержит распакованный файл открытой библиотеки.</a:t>
+            </a:r>
+          </a:p>
+        </p:txBody>
+      </p:sp>
+    </p:spTree>
+    <p:extLst>
+      <p:ext uri="{BB962C8B-B14F-4D97-AF65-F5344CB8AC3E}">
+        <p14:creationId xmlns:p14="http://schemas.microsoft.com/office/powerpoint/2010/main" val="4184012129"/>
+      </p:ext>
+    </p:extLst>
+  </p:cSld>
+  <p:clrMapOvr>
+    <a:masterClrMapping/>
+  </p:clrMapOvr>
+</p:sld>
+</file>
+
+<file path=ppt/slides/slide4.xml><?xml version="1.0" encoding="utf-8"?>
 <p:sld xmlns:a="http://schemas.openxmlformats.org/drawingml/2006/main" xmlns:r="http://schemas.openxmlformats.org/officeDocument/2006/relationships" xmlns:p="http://schemas.openxmlformats.org/presentationml/2006/main">
   <p:cSld>
     <p:spTree>
@@ -4100,7 +5296,7 @@
 </p:sld>
 </file>
 
-<file path=ppt/slides/slide3.xml><?xml version="1.0" encoding="utf-8"?>
+<file path=ppt/slides/slide5.xml><?xml version="1.0" encoding="utf-8"?>
 <p:sld xmlns:a="http://schemas.openxmlformats.org/drawingml/2006/main" xmlns:r="http://schemas.openxmlformats.org/officeDocument/2006/relationships" xmlns:p="http://schemas.openxmlformats.org/presentationml/2006/main">
   <p:cSld>
     <p:spTree>
@@ -4209,7 +5405,7 @@
 </p:sld>
 </file>
 
-<file path=ppt/slides/slide4.xml><?xml version="1.0" encoding="utf-8"?>
+<file path=ppt/slides/slide6.xml><?xml version="1.0" encoding="utf-8"?>
 <p:sld xmlns:a="http://schemas.openxmlformats.org/drawingml/2006/main" xmlns:r="http://schemas.openxmlformats.org/officeDocument/2006/relationships" xmlns:p="http://schemas.openxmlformats.org/presentationml/2006/main">
   <p:cSld>
     <p:spTree>
@@ -4390,7 +5586,7 @@
 </p:sld>
 </file>
 
-<file path=ppt/slides/slide5.xml><?xml version="1.0" encoding="utf-8"?>
+<file path=ppt/slides/slide7.xml><?xml version="1.0" encoding="utf-8"?>
 <p:sld xmlns:a="http://schemas.openxmlformats.org/drawingml/2006/main" xmlns:r="http://schemas.openxmlformats.org/officeDocument/2006/relationships" xmlns:p="http://schemas.openxmlformats.org/presentationml/2006/main">
   <p:cSld>
     <p:spTree>
@@ -4569,7 +5765,7 @@
 </p:sld>
 </file>
 
-<file path=ppt/slides/slide6.xml><?xml version="1.0" encoding="utf-8"?>
+<file path=ppt/slides/slide8.xml><?xml version="1.0" encoding="utf-8"?>
 <p:sld xmlns:a="http://schemas.openxmlformats.org/drawingml/2006/main" xmlns:r="http://schemas.openxmlformats.org/officeDocument/2006/relationships" xmlns:p="http://schemas.openxmlformats.org/presentationml/2006/main">
   <p:cSld>
     <p:spTree>
@@ -4686,7 +5882,7 @@
 </p:sld>
 </file>
 
-<file path=ppt/slides/slide7.xml><?xml version="1.0" encoding="utf-8"?>
+<file path=ppt/slides/slide9.xml><?xml version="1.0" encoding="utf-8"?>
 <p:sld xmlns:a="http://schemas.openxmlformats.org/drawingml/2006/main" xmlns:r="http://schemas.openxmlformats.org/officeDocument/2006/relationships" xmlns:p="http://schemas.openxmlformats.org/presentationml/2006/main">
   <p:cSld>
     <p:spTree>
@@ -4861,383 +6057,6 @@
     <p:extLst>
       <p:ext uri="{BB962C8B-B14F-4D97-AF65-F5344CB8AC3E}">
         <p14:creationId xmlns:p14="http://schemas.microsoft.com/office/powerpoint/2010/main" val="1848282605"/>
-      </p:ext>
-    </p:extLst>
-  </p:cSld>
-  <p:clrMapOvr>
-    <a:masterClrMapping/>
-  </p:clrMapOvr>
-</p:sld>
-</file>
-
-<file path=ppt/slides/slide8.xml><?xml version="1.0" encoding="utf-8"?>
-<p:sld xmlns:a="http://schemas.openxmlformats.org/drawingml/2006/main" xmlns:r="http://schemas.openxmlformats.org/officeDocument/2006/relationships" xmlns:p="http://schemas.openxmlformats.org/presentationml/2006/main">
-  <p:cSld>
-    <p:spTree>
-      <p:nvGrpSpPr>
-        <p:cNvPr id="1" name=""/>
-        <p:cNvGrpSpPr/>
-        <p:nvPr/>
-      </p:nvGrpSpPr>
-      <p:grpSpPr>
-        <a:xfrm>
-          <a:off x="0" y="0"/>
-          <a:ext cx="0" cy="0"/>
-          <a:chOff x="0" y="0"/>
-          <a:chExt cx="0" cy="0"/>
-        </a:xfrm>
-      </p:grpSpPr>
-      <p:sp>
-        <p:nvSpPr>
-          <p:cNvPr id="3" name="TextBox 2">
-            <a:extLst>
-              <a:ext uri="{FF2B5EF4-FFF2-40B4-BE49-F238E27FC236}">
-                <a16:creationId xmlns:a16="http://schemas.microsoft.com/office/drawing/2014/main" id="{9A02C588-6028-C789-AEF6-7882B545F8BF}"/>
-              </a:ext>
-            </a:extLst>
-          </p:cNvPr>
-          <p:cNvSpPr txBox="1"/>
-          <p:nvPr/>
-        </p:nvSpPr>
-        <p:spPr>
-          <a:xfrm>
-            <a:off x="1703294" y="2571126"/>
-            <a:ext cx="3648636" cy="1200329"/>
-          </a:xfrm>
-          <a:prstGeom prst="rect">
-            <a:avLst/>
-          </a:prstGeom>
-          <a:noFill/>
-        </p:spPr>
-        <p:txBody>
-          <a:bodyPr wrap="square">
-            <a:spAutoFit/>
-          </a:bodyPr>
-          <a:lstStyle/>
-          <a:p>
-            <a:r>
-              <a:rPr lang="ru-RU" dirty="0"/>
-              <a:t>Вы можете удалить книгу, дважды кликнув по соответствующей ячейке в колонке </a:t>
-            </a:r>
-            <a:r>
-              <a:rPr lang="en-US" dirty="0"/>
-              <a:t>“</a:t>
-            </a:r>
-            <a:r>
-              <a:rPr lang="ru-RU" dirty="0"/>
-              <a:t>удалить</a:t>
-            </a:r>
-            <a:r>
-              <a:rPr lang="en-US" dirty="0"/>
-              <a:t>” </a:t>
-            </a:r>
-            <a:r>
-              <a:rPr lang="ru-RU" dirty="0"/>
-              <a:t>и подтвердив действие</a:t>
-            </a:r>
-          </a:p>
-        </p:txBody>
-      </p:sp>
-      <p:pic>
-        <p:nvPicPr>
-          <p:cNvPr id="5" name="Рисунок 4">
-            <a:extLst>
-              <a:ext uri="{FF2B5EF4-FFF2-40B4-BE49-F238E27FC236}">
-                <a16:creationId xmlns:a16="http://schemas.microsoft.com/office/drawing/2014/main" id="{04E2F3DF-5CA3-E843-B1D1-D0F1590E55AC}"/>
-              </a:ext>
-            </a:extLst>
-          </p:cNvPr>
-          <p:cNvPicPr>
-            <a:picLocks noChangeAspect="1"/>
-          </p:cNvPicPr>
-          <p:nvPr/>
-        </p:nvPicPr>
-        <p:blipFill>
-          <a:blip r:embed="rId2">
-            <a:extLst>
-              <a:ext uri="{28A0092B-C50C-407E-A947-70E740481C1C}">
-                <a14:useLocalDpi xmlns:a14="http://schemas.microsoft.com/office/drawing/2010/main" val="0"/>
-              </a:ext>
-            </a:extLst>
-          </a:blip>
-          <a:stretch>
-            <a:fillRect/>
-          </a:stretch>
-        </p:blipFill>
-        <p:spPr>
-          <a:xfrm>
-            <a:off x="6537032" y="305085"/>
-            <a:ext cx="4926925" cy="2798302"/>
-          </a:xfrm>
-          <a:prstGeom prst="rect">
-            <a:avLst/>
-          </a:prstGeom>
-        </p:spPr>
-      </p:pic>
-      <p:cxnSp>
-        <p:nvCxnSpPr>
-          <p:cNvPr id="7" name="Прямая со стрелкой 6">
-            <a:extLst>
-              <a:ext uri="{FF2B5EF4-FFF2-40B4-BE49-F238E27FC236}">
-                <a16:creationId xmlns:a16="http://schemas.microsoft.com/office/drawing/2014/main" id="{39569CBB-0BB6-DA1C-0398-24C7EB6BBC33}"/>
-              </a:ext>
-            </a:extLst>
-          </p:cNvPr>
-          <p:cNvCxnSpPr/>
-          <p:nvPr/>
-        </p:nvCxnSpPr>
-        <p:spPr>
-          <a:xfrm>
-            <a:off x="9000494" y="3272118"/>
-            <a:ext cx="0" cy="495727"/>
-          </a:xfrm>
-          <a:prstGeom prst="straightConnector1">
-            <a:avLst/>
-          </a:prstGeom>
-          <a:ln>
-            <a:solidFill>
-              <a:srgbClr val="0070C0"/>
-            </a:solidFill>
-            <a:tailEnd type="triangle"/>
-          </a:ln>
-        </p:spPr>
-        <p:style>
-          <a:lnRef idx="1">
-            <a:schemeClr val="accent1"/>
-          </a:lnRef>
-          <a:fillRef idx="0">
-            <a:schemeClr val="accent1"/>
-          </a:fillRef>
-          <a:effectRef idx="0">
-            <a:schemeClr val="accent1"/>
-          </a:effectRef>
-          <a:fontRef idx="minor">
-            <a:schemeClr val="tx1"/>
-          </a:fontRef>
-        </p:style>
-      </p:cxnSp>
-      <p:pic>
-        <p:nvPicPr>
-          <p:cNvPr id="9" name="Рисунок 8">
-            <a:extLst>
-              <a:ext uri="{FF2B5EF4-FFF2-40B4-BE49-F238E27FC236}">
-                <a16:creationId xmlns:a16="http://schemas.microsoft.com/office/drawing/2014/main" id="{1AD2CCDF-F922-CCEB-3B24-7AABCF576A1C}"/>
-              </a:ext>
-            </a:extLst>
-          </p:cNvPr>
-          <p:cNvPicPr>
-            <a:picLocks noChangeAspect="1"/>
-          </p:cNvPicPr>
-          <p:nvPr/>
-        </p:nvPicPr>
-        <p:blipFill>
-          <a:blip r:embed="rId3">
-            <a:extLst>
-              <a:ext uri="{28A0092B-C50C-407E-A947-70E740481C1C}">
-                <a14:useLocalDpi xmlns:a14="http://schemas.microsoft.com/office/drawing/2010/main" val="0"/>
-              </a:ext>
-            </a:extLst>
-          </a:blip>
-          <a:stretch>
-            <a:fillRect/>
-          </a:stretch>
-        </p:blipFill>
-        <p:spPr>
-          <a:xfrm>
-            <a:off x="6537032" y="3936576"/>
-            <a:ext cx="4952321" cy="2798302"/>
-          </a:xfrm>
-          <a:prstGeom prst="rect">
-            <a:avLst/>
-          </a:prstGeom>
-        </p:spPr>
-      </p:pic>
-    </p:spTree>
-    <p:extLst>
-      <p:ext uri="{BB962C8B-B14F-4D97-AF65-F5344CB8AC3E}">
-        <p14:creationId xmlns:p14="http://schemas.microsoft.com/office/powerpoint/2010/main" val="1267707304"/>
-      </p:ext>
-    </p:extLst>
-  </p:cSld>
-  <p:clrMapOvr>
-    <a:masterClrMapping/>
-  </p:clrMapOvr>
-</p:sld>
-</file>
-
-<file path=ppt/slides/slide9.xml><?xml version="1.0" encoding="utf-8"?>
-<p:sld xmlns:a="http://schemas.openxmlformats.org/drawingml/2006/main" xmlns:r="http://schemas.openxmlformats.org/officeDocument/2006/relationships" xmlns:p="http://schemas.openxmlformats.org/presentationml/2006/main">
-  <p:cSld>
-    <p:spTree>
-      <p:nvGrpSpPr>
-        <p:cNvPr id="1" name=""/>
-        <p:cNvGrpSpPr/>
-        <p:nvPr/>
-      </p:nvGrpSpPr>
-      <p:grpSpPr>
-        <a:xfrm>
-          <a:off x="0" y="0"/>
-          <a:ext cx="0" cy="0"/>
-          <a:chOff x="0" y="0"/>
-          <a:chExt cx="0" cy="0"/>
-        </a:xfrm>
-      </p:grpSpPr>
-      <p:sp>
-        <p:nvSpPr>
-          <p:cNvPr id="3" name="TextBox 2">
-            <a:extLst>
-              <a:ext uri="{FF2B5EF4-FFF2-40B4-BE49-F238E27FC236}">
-                <a16:creationId xmlns:a16="http://schemas.microsoft.com/office/drawing/2014/main" id="{048B7F1B-6131-99C6-8C45-601C3CCB3967}"/>
-              </a:ext>
-            </a:extLst>
-          </p:cNvPr>
-          <p:cNvSpPr txBox="1"/>
-          <p:nvPr/>
-        </p:nvSpPr>
-        <p:spPr>
-          <a:xfrm>
-            <a:off x="1576163" y="2739187"/>
-            <a:ext cx="3720353" cy="1200329"/>
-          </a:xfrm>
-          <a:prstGeom prst="rect">
-            <a:avLst/>
-          </a:prstGeom>
-          <a:noFill/>
-        </p:spPr>
-        <p:txBody>
-          <a:bodyPr wrap="square">
-            <a:spAutoFit/>
-          </a:bodyPr>
-          <a:lstStyle/>
-          <a:p>
-            <a:r>
-              <a:rPr lang="ru-RU" dirty="0"/>
-              <a:t>Две стрелочки слева сверху позволяют вернуться к прошлым фильтрам поиска, а затем к последующим.</a:t>
-            </a:r>
-          </a:p>
-        </p:txBody>
-      </p:sp>
-      <p:pic>
-        <p:nvPicPr>
-          <p:cNvPr id="5" name="Рисунок 4">
-            <a:extLst>
-              <a:ext uri="{FF2B5EF4-FFF2-40B4-BE49-F238E27FC236}">
-                <a16:creationId xmlns:a16="http://schemas.microsoft.com/office/drawing/2014/main" id="{B866A077-4EFB-18FF-78E5-F11DB88C2E9D}"/>
-              </a:ext>
-            </a:extLst>
-          </p:cNvPr>
-          <p:cNvPicPr>
-            <a:picLocks noChangeAspect="1"/>
-          </p:cNvPicPr>
-          <p:nvPr/>
-        </p:nvPicPr>
-        <p:blipFill>
-          <a:blip r:embed="rId2">
-            <a:extLst>
-              <a:ext uri="{28A0092B-C50C-407E-A947-70E740481C1C}">
-                <a14:useLocalDpi xmlns:a14="http://schemas.microsoft.com/office/drawing/2010/main" val="0"/>
-              </a:ext>
-            </a:extLst>
-          </a:blip>
-          <a:stretch>
-            <a:fillRect/>
-          </a:stretch>
-        </p:blipFill>
-        <p:spPr>
-          <a:xfrm>
-            <a:off x="6145977" y="199125"/>
-            <a:ext cx="5219368" cy="2946335"/>
-          </a:xfrm>
-          <a:prstGeom prst="rect">
-            <a:avLst/>
-          </a:prstGeom>
-        </p:spPr>
-      </p:pic>
-      <p:pic>
-        <p:nvPicPr>
-          <p:cNvPr id="7" name="Рисунок 6">
-            <a:extLst>
-              <a:ext uri="{FF2B5EF4-FFF2-40B4-BE49-F238E27FC236}">
-                <a16:creationId xmlns:a16="http://schemas.microsoft.com/office/drawing/2014/main" id="{FCA3FC9A-3A8A-7A29-F615-AFC6A72EAC9C}"/>
-              </a:ext>
-            </a:extLst>
-          </p:cNvPr>
-          <p:cNvPicPr>
-            <a:picLocks noChangeAspect="1"/>
-          </p:cNvPicPr>
-          <p:nvPr/>
-        </p:nvPicPr>
-        <p:blipFill>
-          <a:blip r:embed="rId3">
-            <a:extLst>
-              <a:ext uri="{28A0092B-C50C-407E-A947-70E740481C1C}">
-                <a14:useLocalDpi xmlns:a14="http://schemas.microsoft.com/office/drawing/2010/main" val="0"/>
-              </a:ext>
-            </a:extLst>
-          </a:blip>
-          <a:stretch>
-            <a:fillRect/>
-          </a:stretch>
-        </p:blipFill>
-        <p:spPr>
-          <a:xfrm>
-            <a:off x="6145977" y="3709679"/>
-            <a:ext cx="5219368" cy="2949196"/>
-          </a:xfrm>
-          <a:prstGeom prst="rect">
-            <a:avLst/>
-          </a:prstGeom>
-        </p:spPr>
-      </p:pic>
-      <p:cxnSp>
-        <p:nvCxnSpPr>
-          <p:cNvPr id="9" name="Прямая со стрелкой 8">
-            <a:extLst>
-              <a:ext uri="{FF2B5EF4-FFF2-40B4-BE49-F238E27FC236}">
-                <a16:creationId xmlns:a16="http://schemas.microsoft.com/office/drawing/2014/main" id="{D647E8A2-6F8A-DE76-ACD7-FE5EC4B4424F}"/>
-              </a:ext>
-            </a:extLst>
-          </p:cNvPr>
-          <p:cNvCxnSpPr>
-            <a:cxnSpLocks/>
-          </p:cNvCxnSpPr>
-          <p:nvPr/>
-        </p:nvCxnSpPr>
-        <p:spPr>
-          <a:xfrm>
-            <a:off x="8755661" y="3214701"/>
-            <a:ext cx="0" cy="428597"/>
-          </a:xfrm>
-          <a:prstGeom prst="straightConnector1">
-            <a:avLst/>
-          </a:prstGeom>
-          <a:ln>
-            <a:solidFill>
-              <a:srgbClr val="FF0000"/>
-            </a:solidFill>
-            <a:headEnd type="triangle"/>
-            <a:tailEnd type="triangle"/>
-          </a:ln>
-        </p:spPr>
-        <p:style>
-          <a:lnRef idx="1">
-            <a:schemeClr val="accent1"/>
-          </a:lnRef>
-          <a:fillRef idx="0">
-            <a:schemeClr val="accent1"/>
-          </a:fillRef>
-          <a:effectRef idx="0">
-            <a:schemeClr val="accent1"/>
-          </a:effectRef>
-          <a:fontRef idx="minor">
-            <a:schemeClr val="tx1"/>
-          </a:fontRef>
-        </p:style>
-      </p:cxnSp>
-    </p:spTree>
-    <p:extLst>
-      <p:ext uri="{BB962C8B-B14F-4D97-AF65-F5344CB8AC3E}">
-        <p14:creationId xmlns:p14="http://schemas.microsoft.com/office/powerpoint/2010/main" val="489594832"/>
       </p:ext>
     </p:extLst>
   </p:cSld>

--- a/Библиотека.pptx
+++ b/Библиотека.pptx
@@ -293,7 +293,7 @@
           <a:p>
             <a:fld id="{5A4196DE-E448-4D5F-838D-2C00169D5C8E}" type="datetimeFigureOut">
               <a:rPr lang="ru-RU" smtClean="0"/>
-              <a:t>10.11.2023</a:t>
+              <a:t>08.10.2024</a:t>
             </a:fld>
             <a:endParaRPr lang="ru-RU"/>
           </a:p>
@@ -623,7 +623,7 @@
           <a:p>
             <a:fld id="{5A4196DE-E448-4D5F-838D-2C00169D5C8E}" type="datetimeFigureOut">
               <a:rPr lang="ru-RU" smtClean="0"/>
-              <a:t>10.11.2023</a:t>
+              <a:t>08.10.2024</a:t>
             </a:fld>
             <a:endParaRPr lang="ru-RU"/>
           </a:p>
@@ -803,7 +803,7 @@
           <a:p>
             <a:fld id="{5A4196DE-E448-4D5F-838D-2C00169D5C8E}" type="datetimeFigureOut">
               <a:rPr lang="ru-RU" smtClean="0"/>
-              <a:t>10.11.2023</a:t>
+              <a:t>08.10.2024</a:t>
             </a:fld>
             <a:endParaRPr lang="ru-RU"/>
           </a:p>
@@ -973,7 +973,7 @@
           <a:p>
             <a:fld id="{5A4196DE-E448-4D5F-838D-2C00169D5C8E}" type="datetimeFigureOut">
               <a:rPr lang="ru-RU" smtClean="0"/>
-              <a:t>10.11.2023</a:t>
+              <a:t>08.10.2024</a:t>
             </a:fld>
             <a:endParaRPr lang="ru-RU"/>
           </a:p>
@@ -1250,7 +1250,7 @@
           <a:p>
             <a:fld id="{5A4196DE-E448-4D5F-838D-2C00169D5C8E}" type="datetimeFigureOut">
               <a:rPr lang="ru-RU" smtClean="0"/>
-              <a:t>10.11.2023</a:t>
+              <a:t>08.10.2024</a:t>
             </a:fld>
             <a:endParaRPr lang="ru-RU"/>
           </a:p>
@@ -1644,7 +1644,7 @@
           <a:p>
             <a:fld id="{5A4196DE-E448-4D5F-838D-2C00169D5C8E}" type="datetimeFigureOut">
               <a:rPr lang="ru-RU" smtClean="0"/>
-              <a:t>10.11.2023</a:t>
+              <a:t>08.10.2024</a:t>
             </a:fld>
             <a:endParaRPr lang="ru-RU"/>
           </a:p>
@@ -2121,7 +2121,7 @@
           <a:p>
             <a:fld id="{5A4196DE-E448-4D5F-838D-2C00169D5C8E}" type="datetimeFigureOut">
               <a:rPr lang="ru-RU" smtClean="0"/>
-              <a:t>10.11.2023</a:t>
+              <a:t>08.10.2024</a:t>
             </a:fld>
             <a:endParaRPr lang="ru-RU"/>
           </a:p>
@@ -2239,7 +2239,7 @@
           <a:p>
             <a:fld id="{5A4196DE-E448-4D5F-838D-2C00169D5C8E}" type="datetimeFigureOut">
               <a:rPr lang="ru-RU" smtClean="0"/>
-              <a:t>10.11.2023</a:t>
+              <a:t>08.10.2024</a:t>
             </a:fld>
             <a:endParaRPr lang="ru-RU"/>
           </a:p>
@@ -2334,7 +2334,7 @@
           <a:p>
             <a:fld id="{5A4196DE-E448-4D5F-838D-2C00169D5C8E}" type="datetimeFigureOut">
               <a:rPr lang="ru-RU" smtClean="0"/>
-              <a:t>10.11.2023</a:t>
+              <a:t>08.10.2024</a:t>
             </a:fld>
             <a:endParaRPr lang="ru-RU"/>
           </a:p>
@@ -2680,7 +2680,7 @@
           <a:p>
             <a:fld id="{5A4196DE-E448-4D5F-838D-2C00169D5C8E}" type="datetimeFigureOut">
               <a:rPr lang="ru-RU" smtClean="0"/>
-              <a:t>10.11.2023</a:t>
+              <a:t>08.10.2024</a:t>
             </a:fld>
             <a:endParaRPr lang="ru-RU"/>
           </a:p>
@@ -3068,7 +3068,7 @@
           <a:p>
             <a:fld id="{5A4196DE-E448-4D5F-838D-2C00169D5C8E}" type="datetimeFigureOut">
               <a:rPr lang="ru-RU" smtClean="0"/>
-              <a:t>10.11.2023</a:t>
+              <a:t>08.10.2024</a:t>
             </a:fld>
             <a:endParaRPr lang="ru-RU"/>
           </a:p>
@@ -3346,7 +3346,7 @@
           <a:p>
             <a:fld id="{5A4196DE-E448-4D5F-838D-2C00169D5C8E}" type="datetimeFigureOut">
               <a:rPr lang="ru-RU" smtClean="0"/>
-              <a:t>10.11.2023</a:t>
+              <a:t>08.10.2024</a:t>
             </a:fld>
             <a:endParaRPr lang="ru-RU"/>
           </a:p>
@@ -5747,7 +5747,23 @@
           <a:p>
             <a:r>
               <a:rPr lang="ru-RU" dirty="0"/>
-              <a:t>При нажатии на ячейки в колонке название будут открываться книги.</a:t>
+              <a:t>При нажатии на ячейки в колонке </a:t>
+            </a:r>
+            <a:r>
+              <a:rPr lang="en-US" dirty="0"/>
+              <a:t>“</a:t>
+            </a:r>
+            <a:r>
+              <a:rPr lang="ru-RU" dirty="0"/>
+              <a:t>название</a:t>
+            </a:r>
+            <a:r>
+              <a:rPr lang="en-US" dirty="0"/>
+              <a:t>”</a:t>
+            </a:r>
+            <a:r>
+              <a:rPr lang="ru-RU" dirty="0"/>
+              <a:t> будут открываться книги.</a:t>
             </a:r>
           </a:p>
         </p:txBody>
@@ -5929,7 +5945,15 @@
           <a:p>
             <a:r>
               <a:rPr lang="ru-RU" dirty="0"/>
-              <a:t>Меню главная позволяет редактировать шрифт, размер, цвет текста и цвет фона? Таким же функционалом обладает меню формат текста в окне, открывающемся при чтении книги.</a:t>
+              <a:t>Меню главная позволяет редактировать шрифт, размер, цвет текста и цвет фона</a:t>
+            </a:r>
+            <a:r>
+              <a:rPr lang="en-US" dirty="0"/>
+              <a:t>.</a:t>
+            </a:r>
+            <a:r>
+              <a:rPr lang="ru-RU" dirty="0"/>
+              <a:t> Таким же функционалом обладает меню формат текста в окне, открывающемся при чтении книги.</a:t>
             </a:r>
           </a:p>
         </p:txBody>
